--- a/3. Präsentation/3.1 Präsentationsunterlagen/Team_RayForge_Meilenstein_Präsentation.pptx
+++ b/3. Präsentation/3.1 Präsentationsunterlagen/Team_RayForge_Meilenstein_Präsentation.pptx
@@ -4586,6 +4586,30 @@
             <ac:spMk id="2" creationId="{35FF4C83-C0D9-48C1-4984-C4D15F49E945}"/>
           </ac:spMkLst>
         </pc:spChg>
+      </pc:sldChg>
+    </pc:docChg>
+  </pc:docChgLst>
+  <pc:docChgLst>
+    <pc:chgData name="Jeckle, Lukas" userId="8af323fd-999f-415a-b7cf-a75b87c7bd04" providerId="ADAL" clId="{1E40712B-75F9-4204-BAC2-1D224ABAF16F}"/>
+    <pc:docChg chg="modSld">
+      <pc:chgData name="Jeckle, Lukas" userId="8af323fd-999f-415a-b7cf-a75b87c7bd04" providerId="ADAL" clId="{1E40712B-75F9-4204-BAC2-1D224ABAF16F}" dt="2024-12-04T18:50:41.453" v="0" actId="14826"/>
+      <pc:docMkLst>
+        <pc:docMk/>
+      </pc:docMkLst>
+      <pc:sldChg chg="modSp mod">
+        <pc:chgData name="Jeckle, Lukas" userId="8af323fd-999f-415a-b7cf-a75b87c7bd04" providerId="ADAL" clId="{1E40712B-75F9-4204-BAC2-1D224ABAF16F}" dt="2024-12-04T18:50:41.453" v="0" actId="14826"/>
+        <pc:sldMkLst>
+          <pc:docMk/>
+          <pc:sldMk cId="4018529521" sldId="278"/>
+        </pc:sldMkLst>
+        <pc:picChg chg="mod">
+          <ac:chgData name="Jeckle, Lukas" userId="8af323fd-999f-415a-b7cf-a75b87c7bd04" providerId="ADAL" clId="{1E40712B-75F9-4204-BAC2-1D224ABAF16F}" dt="2024-12-04T18:50:41.453" v="0" actId="14826"/>
+          <ac:picMkLst>
+            <pc:docMk/>
+            <pc:sldMk cId="4018529521" sldId="278"/>
+            <ac:picMk id="8" creationId="{06BC7BB5-BB68-08B0-3EDB-E81A9031ACC5}"/>
+          </ac:picMkLst>
+        </pc:picChg>
       </pc:sldChg>
     </pc:docChg>
   </pc:docChgLst>
@@ -10605,15 +10629,20 @@
           <p:nvPr/>
         </p:nvPicPr>
         <p:blipFill>
-          <a:blip r:embed="rId3"/>
-          <a:stretch>
-            <a:fillRect/>
-          </a:stretch>
+          <a:blip r:embed="rId3">
+            <a:extLst>
+              <a:ext uri="{28A0092B-C50C-407E-A947-70E740481C1C}">
+                <a14:useLocalDpi xmlns:a14="http://schemas.microsoft.com/office/drawing/2010/main" val="0"/>
+              </a:ext>
+            </a:extLst>
+          </a:blip>
+          <a:srcRect/>
+          <a:stretch/>
         </p:blipFill>
         <p:spPr>
           <a:xfrm>
-            <a:off x="2098704" y="1459649"/>
-            <a:ext cx="7994590" cy="4342430"/>
+            <a:off x="2098704" y="1460784"/>
+            <a:ext cx="7994590" cy="4340159"/>
           </a:xfrm>
           <a:prstGeom prst="rect">
             <a:avLst/>
